--- a/ohmybeamer.pptx
+++ b/ohmybeamer.pptx
@@ -248,7 +248,7 @@
           <a:bodyPr/>
           <a:lstStyle/>
           <a:p>
-            <a:fld id="{F2495EB5-C95B-4E83-B7B8-7BCF2F14F92F}" type="datetimeFigureOut">
+            <a:fld id="{BFEA011F-40BF-4CAB-A991-2506B67D809A}" type="datetimeFigureOut">
               <a:rPr lang="zh-CN" altLang="en-US" smtClean="0"/>
               <a:t>2023/6/11</a:t>
             </a:fld>
@@ -290,7 +290,7 @@
           <a:bodyPr/>
           <a:lstStyle/>
           <a:p>
-            <a:fld id="{A59AF086-80D2-4400-800B-DF3BC774BCFC}" type="slidenum">
+            <a:fld id="{16A86B3A-833A-4EB0-A121-FD205613ACE1}" type="slidenum">
               <a:rPr lang="zh-CN" altLang="en-US" smtClean="0"/>
               <a:t>‹#›</a:t>
             </a:fld>
@@ -301,7 +301,7 @@
     </p:spTree>
     <p:extLst>
       <p:ext uri="{BB962C8B-B14F-4D97-AF65-F5344CB8AC3E}">
-        <p14:creationId xmlns:p14="http://schemas.microsoft.com/office/powerpoint/2010/main" val="1373576659"/>
+        <p14:creationId xmlns:p14="http://schemas.microsoft.com/office/powerpoint/2010/main" val="3006152129"/>
       </p:ext>
     </p:extLst>
   </p:cSld>
@@ -418,7 +418,7 @@
           <a:bodyPr/>
           <a:lstStyle/>
           <a:p>
-            <a:fld id="{F2495EB5-C95B-4E83-B7B8-7BCF2F14F92F}" type="datetimeFigureOut">
+            <a:fld id="{BFEA011F-40BF-4CAB-A991-2506B67D809A}" type="datetimeFigureOut">
               <a:rPr lang="zh-CN" altLang="en-US" smtClean="0"/>
               <a:t>2023/6/11</a:t>
             </a:fld>
@@ -460,7 +460,7 @@
           <a:bodyPr/>
           <a:lstStyle/>
           <a:p>
-            <a:fld id="{A59AF086-80D2-4400-800B-DF3BC774BCFC}" type="slidenum">
+            <a:fld id="{16A86B3A-833A-4EB0-A121-FD205613ACE1}" type="slidenum">
               <a:rPr lang="zh-CN" altLang="en-US" smtClean="0"/>
               <a:t>‹#›</a:t>
             </a:fld>
@@ -471,7 +471,7 @@
     </p:spTree>
     <p:extLst>
       <p:ext uri="{BB962C8B-B14F-4D97-AF65-F5344CB8AC3E}">
-        <p14:creationId xmlns:p14="http://schemas.microsoft.com/office/powerpoint/2010/main" val="2685295135"/>
+        <p14:creationId xmlns:p14="http://schemas.microsoft.com/office/powerpoint/2010/main" val="369961204"/>
       </p:ext>
     </p:extLst>
   </p:cSld>
@@ -598,7 +598,7 @@
           <a:bodyPr/>
           <a:lstStyle/>
           <a:p>
-            <a:fld id="{F2495EB5-C95B-4E83-B7B8-7BCF2F14F92F}" type="datetimeFigureOut">
+            <a:fld id="{BFEA011F-40BF-4CAB-A991-2506B67D809A}" type="datetimeFigureOut">
               <a:rPr lang="zh-CN" altLang="en-US" smtClean="0"/>
               <a:t>2023/6/11</a:t>
             </a:fld>
@@ -640,7 +640,7 @@
           <a:bodyPr/>
           <a:lstStyle/>
           <a:p>
-            <a:fld id="{A59AF086-80D2-4400-800B-DF3BC774BCFC}" type="slidenum">
+            <a:fld id="{16A86B3A-833A-4EB0-A121-FD205613ACE1}" type="slidenum">
               <a:rPr lang="zh-CN" altLang="en-US" smtClean="0"/>
               <a:t>‹#›</a:t>
             </a:fld>
@@ -651,7 +651,7 @@
     </p:spTree>
     <p:extLst>
       <p:ext uri="{BB962C8B-B14F-4D97-AF65-F5344CB8AC3E}">
-        <p14:creationId xmlns:p14="http://schemas.microsoft.com/office/powerpoint/2010/main" val="1774248235"/>
+        <p14:creationId xmlns:p14="http://schemas.microsoft.com/office/powerpoint/2010/main" val="2691350788"/>
       </p:ext>
     </p:extLst>
   </p:cSld>
@@ -768,7 +768,7 @@
           <a:bodyPr/>
           <a:lstStyle/>
           <a:p>
-            <a:fld id="{F2495EB5-C95B-4E83-B7B8-7BCF2F14F92F}" type="datetimeFigureOut">
+            <a:fld id="{BFEA011F-40BF-4CAB-A991-2506B67D809A}" type="datetimeFigureOut">
               <a:rPr lang="zh-CN" altLang="en-US" smtClean="0"/>
               <a:t>2023/6/11</a:t>
             </a:fld>
@@ -810,7 +810,7 @@
           <a:bodyPr/>
           <a:lstStyle/>
           <a:p>
-            <a:fld id="{A59AF086-80D2-4400-800B-DF3BC774BCFC}" type="slidenum">
+            <a:fld id="{16A86B3A-833A-4EB0-A121-FD205613ACE1}" type="slidenum">
               <a:rPr lang="zh-CN" altLang="en-US" smtClean="0"/>
               <a:t>‹#›</a:t>
             </a:fld>
@@ -821,7 +821,7 @@
     </p:spTree>
     <p:extLst>
       <p:ext uri="{BB962C8B-B14F-4D97-AF65-F5344CB8AC3E}">
-        <p14:creationId xmlns:p14="http://schemas.microsoft.com/office/powerpoint/2010/main" val="2465815688"/>
+        <p14:creationId xmlns:p14="http://schemas.microsoft.com/office/powerpoint/2010/main" val="3786382620"/>
       </p:ext>
     </p:extLst>
   </p:cSld>
@@ -1012,7 +1012,7 @@
           <a:bodyPr/>
           <a:lstStyle/>
           <a:p>
-            <a:fld id="{F2495EB5-C95B-4E83-B7B8-7BCF2F14F92F}" type="datetimeFigureOut">
+            <a:fld id="{BFEA011F-40BF-4CAB-A991-2506B67D809A}" type="datetimeFigureOut">
               <a:rPr lang="zh-CN" altLang="en-US" smtClean="0"/>
               <a:t>2023/6/11</a:t>
             </a:fld>
@@ -1054,7 +1054,7 @@
           <a:bodyPr/>
           <a:lstStyle/>
           <a:p>
-            <a:fld id="{A59AF086-80D2-4400-800B-DF3BC774BCFC}" type="slidenum">
+            <a:fld id="{16A86B3A-833A-4EB0-A121-FD205613ACE1}" type="slidenum">
               <a:rPr lang="zh-CN" altLang="en-US" smtClean="0"/>
               <a:t>‹#›</a:t>
             </a:fld>
@@ -1065,7 +1065,7 @@
     </p:spTree>
     <p:extLst>
       <p:ext uri="{BB962C8B-B14F-4D97-AF65-F5344CB8AC3E}">
-        <p14:creationId xmlns:p14="http://schemas.microsoft.com/office/powerpoint/2010/main" val="114323176"/>
+        <p14:creationId xmlns:p14="http://schemas.microsoft.com/office/powerpoint/2010/main" val="379155969"/>
       </p:ext>
     </p:extLst>
   </p:cSld>
@@ -1244,7 +1244,7 @@
           <a:bodyPr/>
           <a:lstStyle/>
           <a:p>
-            <a:fld id="{F2495EB5-C95B-4E83-B7B8-7BCF2F14F92F}" type="datetimeFigureOut">
+            <a:fld id="{BFEA011F-40BF-4CAB-A991-2506B67D809A}" type="datetimeFigureOut">
               <a:rPr lang="zh-CN" altLang="en-US" smtClean="0"/>
               <a:t>2023/6/11</a:t>
             </a:fld>
@@ -1286,7 +1286,7 @@
           <a:bodyPr/>
           <a:lstStyle/>
           <a:p>
-            <a:fld id="{A59AF086-80D2-4400-800B-DF3BC774BCFC}" type="slidenum">
+            <a:fld id="{16A86B3A-833A-4EB0-A121-FD205613ACE1}" type="slidenum">
               <a:rPr lang="zh-CN" altLang="en-US" smtClean="0"/>
               <a:t>‹#›</a:t>
             </a:fld>
@@ -1297,7 +1297,7 @@
     </p:spTree>
     <p:extLst>
       <p:ext uri="{BB962C8B-B14F-4D97-AF65-F5344CB8AC3E}">
-        <p14:creationId xmlns:p14="http://schemas.microsoft.com/office/powerpoint/2010/main" val="4055493197"/>
+        <p14:creationId xmlns:p14="http://schemas.microsoft.com/office/powerpoint/2010/main" val="786554199"/>
       </p:ext>
     </p:extLst>
   </p:cSld>
@@ -1611,7 +1611,7 @@
           <a:bodyPr/>
           <a:lstStyle/>
           <a:p>
-            <a:fld id="{F2495EB5-C95B-4E83-B7B8-7BCF2F14F92F}" type="datetimeFigureOut">
+            <a:fld id="{BFEA011F-40BF-4CAB-A991-2506B67D809A}" type="datetimeFigureOut">
               <a:rPr lang="zh-CN" altLang="en-US" smtClean="0"/>
               <a:t>2023/6/11</a:t>
             </a:fld>
@@ -1653,7 +1653,7 @@
           <a:bodyPr/>
           <a:lstStyle/>
           <a:p>
-            <a:fld id="{A59AF086-80D2-4400-800B-DF3BC774BCFC}" type="slidenum">
+            <a:fld id="{16A86B3A-833A-4EB0-A121-FD205613ACE1}" type="slidenum">
               <a:rPr lang="zh-CN" altLang="en-US" smtClean="0"/>
               <a:t>‹#›</a:t>
             </a:fld>
@@ -1664,7 +1664,7 @@
     </p:spTree>
     <p:extLst>
       <p:ext uri="{BB962C8B-B14F-4D97-AF65-F5344CB8AC3E}">
-        <p14:creationId xmlns:p14="http://schemas.microsoft.com/office/powerpoint/2010/main" val="4289289303"/>
+        <p14:creationId xmlns:p14="http://schemas.microsoft.com/office/powerpoint/2010/main" val="4212182842"/>
       </p:ext>
     </p:extLst>
   </p:cSld>
@@ -1729,7 +1729,7 @@
           <a:bodyPr/>
           <a:lstStyle/>
           <a:p>
-            <a:fld id="{F2495EB5-C95B-4E83-B7B8-7BCF2F14F92F}" type="datetimeFigureOut">
+            <a:fld id="{BFEA011F-40BF-4CAB-A991-2506B67D809A}" type="datetimeFigureOut">
               <a:rPr lang="zh-CN" altLang="en-US" smtClean="0"/>
               <a:t>2023/6/11</a:t>
             </a:fld>
@@ -1771,7 +1771,7 @@
           <a:bodyPr/>
           <a:lstStyle/>
           <a:p>
-            <a:fld id="{A59AF086-80D2-4400-800B-DF3BC774BCFC}" type="slidenum">
+            <a:fld id="{16A86B3A-833A-4EB0-A121-FD205613ACE1}" type="slidenum">
               <a:rPr lang="zh-CN" altLang="en-US" smtClean="0"/>
               <a:t>‹#›</a:t>
             </a:fld>
@@ -1782,7 +1782,7 @@
     </p:spTree>
     <p:extLst>
       <p:ext uri="{BB962C8B-B14F-4D97-AF65-F5344CB8AC3E}">
-        <p14:creationId xmlns:p14="http://schemas.microsoft.com/office/powerpoint/2010/main" val="929080158"/>
+        <p14:creationId xmlns:p14="http://schemas.microsoft.com/office/powerpoint/2010/main" val="2421674997"/>
       </p:ext>
     </p:extLst>
   </p:cSld>
@@ -1824,7 +1824,7 @@
           <a:bodyPr/>
           <a:lstStyle/>
           <a:p>
-            <a:fld id="{F2495EB5-C95B-4E83-B7B8-7BCF2F14F92F}" type="datetimeFigureOut">
+            <a:fld id="{BFEA011F-40BF-4CAB-A991-2506B67D809A}" type="datetimeFigureOut">
               <a:rPr lang="zh-CN" altLang="en-US" smtClean="0"/>
               <a:t>2023/6/11</a:t>
             </a:fld>
@@ -1866,7 +1866,7 @@
           <a:bodyPr/>
           <a:lstStyle/>
           <a:p>
-            <a:fld id="{A59AF086-80D2-4400-800B-DF3BC774BCFC}" type="slidenum">
+            <a:fld id="{16A86B3A-833A-4EB0-A121-FD205613ACE1}" type="slidenum">
               <a:rPr lang="zh-CN" altLang="en-US" smtClean="0"/>
               <a:t>‹#›</a:t>
             </a:fld>
@@ -1877,7 +1877,7 @@
     </p:spTree>
     <p:extLst>
       <p:ext uri="{BB962C8B-B14F-4D97-AF65-F5344CB8AC3E}">
-        <p14:creationId xmlns:p14="http://schemas.microsoft.com/office/powerpoint/2010/main" val="3858640859"/>
+        <p14:creationId xmlns:p14="http://schemas.microsoft.com/office/powerpoint/2010/main" val="2899232575"/>
       </p:ext>
     </p:extLst>
   </p:cSld>
@@ -2101,7 +2101,7 @@
           <a:bodyPr/>
           <a:lstStyle/>
           <a:p>
-            <a:fld id="{F2495EB5-C95B-4E83-B7B8-7BCF2F14F92F}" type="datetimeFigureOut">
+            <a:fld id="{BFEA011F-40BF-4CAB-A991-2506B67D809A}" type="datetimeFigureOut">
               <a:rPr lang="zh-CN" altLang="en-US" smtClean="0"/>
               <a:t>2023/6/11</a:t>
             </a:fld>
@@ -2143,7 +2143,7 @@
           <a:bodyPr/>
           <a:lstStyle/>
           <a:p>
-            <a:fld id="{A59AF086-80D2-4400-800B-DF3BC774BCFC}" type="slidenum">
+            <a:fld id="{16A86B3A-833A-4EB0-A121-FD205613ACE1}" type="slidenum">
               <a:rPr lang="zh-CN" altLang="en-US" smtClean="0"/>
               <a:t>‹#›</a:t>
             </a:fld>
@@ -2154,7 +2154,7 @@
     </p:spTree>
     <p:extLst>
       <p:ext uri="{BB962C8B-B14F-4D97-AF65-F5344CB8AC3E}">
-        <p14:creationId xmlns:p14="http://schemas.microsoft.com/office/powerpoint/2010/main" val="2892393859"/>
+        <p14:creationId xmlns:p14="http://schemas.microsoft.com/office/powerpoint/2010/main" val="4055531938"/>
       </p:ext>
     </p:extLst>
   </p:cSld>
@@ -2358,7 +2358,7 @@
           <a:bodyPr/>
           <a:lstStyle/>
           <a:p>
-            <a:fld id="{F2495EB5-C95B-4E83-B7B8-7BCF2F14F92F}" type="datetimeFigureOut">
+            <a:fld id="{BFEA011F-40BF-4CAB-A991-2506B67D809A}" type="datetimeFigureOut">
               <a:rPr lang="zh-CN" altLang="en-US" smtClean="0"/>
               <a:t>2023/6/11</a:t>
             </a:fld>
@@ -2400,7 +2400,7 @@
           <a:bodyPr/>
           <a:lstStyle/>
           <a:p>
-            <a:fld id="{A59AF086-80D2-4400-800B-DF3BC774BCFC}" type="slidenum">
+            <a:fld id="{16A86B3A-833A-4EB0-A121-FD205613ACE1}" type="slidenum">
               <a:rPr lang="zh-CN" altLang="en-US" smtClean="0"/>
               <a:t>‹#›</a:t>
             </a:fld>
@@ -2411,7 +2411,7 @@
     </p:spTree>
     <p:extLst>
       <p:ext uri="{BB962C8B-B14F-4D97-AF65-F5344CB8AC3E}">
-        <p14:creationId xmlns:p14="http://schemas.microsoft.com/office/powerpoint/2010/main" val="339813221"/>
+        <p14:creationId xmlns:p14="http://schemas.microsoft.com/office/powerpoint/2010/main" val="3180694190"/>
       </p:ext>
     </p:extLst>
   </p:cSld>
@@ -2571,7 +2571,7 @@
             </a:lvl1pPr>
           </a:lstStyle>
           <a:p>
-            <a:fld id="{F2495EB5-C95B-4E83-B7B8-7BCF2F14F92F}" type="datetimeFigureOut">
+            <a:fld id="{BFEA011F-40BF-4CAB-A991-2506B67D809A}" type="datetimeFigureOut">
               <a:rPr lang="zh-CN" altLang="en-US" smtClean="0"/>
               <a:t>2023/6/11</a:t>
             </a:fld>
@@ -2649,7 +2649,7 @@
             </a:lvl1pPr>
           </a:lstStyle>
           <a:p>
-            <a:fld id="{A59AF086-80D2-4400-800B-DF3BC774BCFC}" type="slidenum">
+            <a:fld id="{16A86B3A-833A-4EB0-A121-FD205613ACE1}" type="slidenum">
               <a:rPr lang="zh-CN" altLang="en-US" smtClean="0"/>
               <a:t>‹#›</a:t>
             </a:fld>
@@ -2660,7 +2660,7 @@
     </p:spTree>
     <p:extLst>
       <p:ext uri="{BB962C8B-B14F-4D97-AF65-F5344CB8AC3E}">
-        <p14:creationId xmlns:p14="http://schemas.microsoft.com/office/powerpoint/2010/main" val="3390027163"/>
+        <p14:creationId xmlns:p14="http://schemas.microsoft.com/office/powerpoint/2010/main" val="3734966327"/>
       </p:ext>
     </p:extLst>
   </p:cSld>
@@ -2983,7 +2983,7 @@
           <p:cNvPr id="3" name="图片 2" descr="NCEPU_Beamer_Theme_formatted_Page1">
             <a:extLst>
               <a:ext uri="{FF2B5EF4-FFF2-40B4-BE49-F238E27FC236}">
-                <a16:creationId xmlns:a16="http://schemas.microsoft.com/office/drawing/2014/main" id="{E04F4F03-19ED-7739-DDF7-59779B933C50}"/>
+                <a16:creationId xmlns:a16="http://schemas.microsoft.com/office/drawing/2014/main" id="{13B173CC-8091-3074-530E-179570C9473F}"/>
               </a:ext>
             </a:extLst>
           </p:cNvPr>
@@ -3018,7 +3018,7 @@
     </p:spTree>
     <p:extLst>
       <p:ext uri="{BB962C8B-B14F-4D97-AF65-F5344CB8AC3E}">
-        <p14:creationId xmlns:p14="http://schemas.microsoft.com/office/powerpoint/2010/main" val="2719252469"/>
+        <p14:creationId xmlns:p14="http://schemas.microsoft.com/office/powerpoint/2010/main" val="443261649"/>
       </p:ext>
     </p:extLst>
   </p:cSld>
@@ -3050,7 +3050,7 @@
           <p:cNvPr id="3" name="图片 2" descr="NCEPU_Beamer_Theme_formatted_Page10">
             <a:extLst>
               <a:ext uri="{FF2B5EF4-FFF2-40B4-BE49-F238E27FC236}">
-                <a16:creationId xmlns:a16="http://schemas.microsoft.com/office/drawing/2014/main" id="{183E8B88-34D5-E37E-B258-5EE5F70F88BF}"/>
+                <a16:creationId xmlns:a16="http://schemas.microsoft.com/office/drawing/2014/main" id="{5E9046C9-7F7E-F0DF-04BA-8D9D43AD2756}"/>
               </a:ext>
             </a:extLst>
           </p:cNvPr>
@@ -3085,7 +3085,7 @@
     </p:spTree>
     <p:extLst>
       <p:ext uri="{BB962C8B-B14F-4D97-AF65-F5344CB8AC3E}">
-        <p14:creationId xmlns:p14="http://schemas.microsoft.com/office/powerpoint/2010/main" val="4224257702"/>
+        <p14:creationId xmlns:p14="http://schemas.microsoft.com/office/powerpoint/2010/main" val="443155887"/>
       </p:ext>
     </p:extLst>
   </p:cSld>
@@ -3117,7 +3117,7 @@
           <p:cNvPr id="3" name="图片 2" descr="NCEPU_Beamer_Theme_formatted_Page11">
             <a:extLst>
               <a:ext uri="{FF2B5EF4-FFF2-40B4-BE49-F238E27FC236}">
-                <a16:creationId xmlns:a16="http://schemas.microsoft.com/office/drawing/2014/main" id="{C31C2839-3A2F-9ED0-A2DD-73780BF32FD9}"/>
+                <a16:creationId xmlns:a16="http://schemas.microsoft.com/office/drawing/2014/main" id="{D68087D9-155F-3716-44E8-E88ED24F46DD}"/>
               </a:ext>
             </a:extLst>
           </p:cNvPr>
@@ -3152,7 +3152,7 @@
     </p:spTree>
     <p:extLst>
       <p:ext uri="{BB962C8B-B14F-4D97-AF65-F5344CB8AC3E}">
-        <p14:creationId xmlns:p14="http://schemas.microsoft.com/office/powerpoint/2010/main" val="60944398"/>
+        <p14:creationId xmlns:p14="http://schemas.microsoft.com/office/powerpoint/2010/main" val="1751742179"/>
       </p:ext>
     </p:extLst>
   </p:cSld>
@@ -3184,7 +3184,7 @@
           <p:cNvPr id="3" name="图片 2" descr="NCEPU_Beamer_Theme_formatted_Page12">
             <a:extLst>
               <a:ext uri="{FF2B5EF4-FFF2-40B4-BE49-F238E27FC236}">
-                <a16:creationId xmlns:a16="http://schemas.microsoft.com/office/drawing/2014/main" id="{61DE8D84-7125-C3A1-50A3-B86F01A3C686}"/>
+                <a16:creationId xmlns:a16="http://schemas.microsoft.com/office/drawing/2014/main" id="{686A0849-3AB0-C7FF-0034-1BAF304A6A51}"/>
               </a:ext>
             </a:extLst>
           </p:cNvPr>
@@ -3219,7 +3219,7 @@
     </p:spTree>
     <p:extLst>
       <p:ext uri="{BB962C8B-B14F-4D97-AF65-F5344CB8AC3E}">
-        <p14:creationId xmlns:p14="http://schemas.microsoft.com/office/powerpoint/2010/main" val="1994417288"/>
+        <p14:creationId xmlns:p14="http://schemas.microsoft.com/office/powerpoint/2010/main" val="2877426049"/>
       </p:ext>
     </p:extLst>
   </p:cSld>
@@ -3251,7 +3251,7 @@
           <p:cNvPr id="3" name="图片 2" descr="NCEPU_Beamer_Theme_formatted_Page2">
             <a:extLst>
               <a:ext uri="{FF2B5EF4-FFF2-40B4-BE49-F238E27FC236}">
-                <a16:creationId xmlns:a16="http://schemas.microsoft.com/office/drawing/2014/main" id="{E3ECB8C4-F44E-18D2-7C12-D03CB32F2414}"/>
+                <a16:creationId xmlns:a16="http://schemas.microsoft.com/office/drawing/2014/main" id="{B880FCDB-C281-BADF-7E92-A1BD511670AA}"/>
               </a:ext>
             </a:extLst>
           </p:cNvPr>
@@ -3286,7 +3286,7 @@
     </p:spTree>
     <p:extLst>
       <p:ext uri="{BB962C8B-B14F-4D97-AF65-F5344CB8AC3E}">
-        <p14:creationId xmlns:p14="http://schemas.microsoft.com/office/powerpoint/2010/main" val="2018727811"/>
+        <p14:creationId xmlns:p14="http://schemas.microsoft.com/office/powerpoint/2010/main" val="584091276"/>
       </p:ext>
     </p:extLst>
   </p:cSld>
@@ -3318,7 +3318,7 @@
           <p:cNvPr id="3" name="图片 2" descr="NCEPU_Beamer_Theme_formatted_Page3">
             <a:extLst>
               <a:ext uri="{FF2B5EF4-FFF2-40B4-BE49-F238E27FC236}">
-                <a16:creationId xmlns:a16="http://schemas.microsoft.com/office/drawing/2014/main" id="{4A7489D7-5909-DBB5-FBA0-EB5B254252C1}"/>
+                <a16:creationId xmlns:a16="http://schemas.microsoft.com/office/drawing/2014/main" id="{E9FEFBB6-C668-9B06-8319-B674C6801418}"/>
               </a:ext>
             </a:extLst>
           </p:cNvPr>
@@ -3353,7 +3353,7 @@
     </p:spTree>
     <p:extLst>
       <p:ext uri="{BB962C8B-B14F-4D97-AF65-F5344CB8AC3E}">
-        <p14:creationId xmlns:p14="http://schemas.microsoft.com/office/powerpoint/2010/main" val="2856762546"/>
+        <p14:creationId xmlns:p14="http://schemas.microsoft.com/office/powerpoint/2010/main" val="573003526"/>
       </p:ext>
     </p:extLst>
   </p:cSld>
@@ -3385,7 +3385,7 @@
           <p:cNvPr id="3" name="图片 2" descr="NCEPU_Beamer_Theme_formatted_Page4">
             <a:extLst>
               <a:ext uri="{FF2B5EF4-FFF2-40B4-BE49-F238E27FC236}">
-                <a16:creationId xmlns:a16="http://schemas.microsoft.com/office/drawing/2014/main" id="{3A5969CC-C2AF-1A37-1074-D22E39CB6E9B}"/>
+                <a16:creationId xmlns:a16="http://schemas.microsoft.com/office/drawing/2014/main" id="{2F977182-065B-F703-DC12-41AA30258EF0}"/>
               </a:ext>
             </a:extLst>
           </p:cNvPr>
@@ -3420,7 +3420,7 @@
     </p:spTree>
     <p:extLst>
       <p:ext uri="{BB962C8B-B14F-4D97-AF65-F5344CB8AC3E}">
-        <p14:creationId xmlns:p14="http://schemas.microsoft.com/office/powerpoint/2010/main" val="601227623"/>
+        <p14:creationId xmlns:p14="http://schemas.microsoft.com/office/powerpoint/2010/main" val="511562544"/>
       </p:ext>
     </p:extLst>
   </p:cSld>
@@ -3452,7 +3452,7 @@
           <p:cNvPr id="3" name="图片 2" descr="NCEPU_Beamer_Theme_formatted_Page5">
             <a:extLst>
               <a:ext uri="{FF2B5EF4-FFF2-40B4-BE49-F238E27FC236}">
-                <a16:creationId xmlns:a16="http://schemas.microsoft.com/office/drawing/2014/main" id="{AA9B86DF-0D4B-7E33-72E1-DAA271B85C39}"/>
+                <a16:creationId xmlns:a16="http://schemas.microsoft.com/office/drawing/2014/main" id="{A009B04F-91CF-7306-BDD1-9B771D3FA76C}"/>
               </a:ext>
             </a:extLst>
           </p:cNvPr>
@@ -3487,7 +3487,7 @@
     </p:spTree>
     <p:extLst>
       <p:ext uri="{BB962C8B-B14F-4D97-AF65-F5344CB8AC3E}">
-        <p14:creationId xmlns:p14="http://schemas.microsoft.com/office/powerpoint/2010/main" val="3525115414"/>
+        <p14:creationId xmlns:p14="http://schemas.microsoft.com/office/powerpoint/2010/main" val="1546939136"/>
       </p:ext>
     </p:extLst>
   </p:cSld>
@@ -3519,7 +3519,7 @@
           <p:cNvPr id="3" name="图片 2" descr="NCEPU_Beamer_Theme_formatted_Page6">
             <a:extLst>
               <a:ext uri="{FF2B5EF4-FFF2-40B4-BE49-F238E27FC236}">
-                <a16:creationId xmlns:a16="http://schemas.microsoft.com/office/drawing/2014/main" id="{E3D3B216-2582-0C35-E36B-583AE23C8E57}"/>
+                <a16:creationId xmlns:a16="http://schemas.microsoft.com/office/drawing/2014/main" id="{3804E1E4-6ACF-4803-013B-3281F7765344}"/>
               </a:ext>
             </a:extLst>
           </p:cNvPr>
@@ -3554,7 +3554,7 @@
     </p:spTree>
     <p:extLst>
       <p:ext uri="{BB962C8B-B14F-4D97-AF65-F5344CB8AC3E}">
-        <p14:creationId xmlns:p14="http://schemas.microsoft.com/office/powerpoint/2010/main" val="2218481691"/>
+        <p14:creationId xmlns:p14="http://schemas.microsoft.com/office/powerpoint/2010/main" val="3806850489"/>
       </p:ext>
     </p:extLst>
   </p:cSld>
@@ -3586,7 +3586,7 @@
           <p:cNvPr id="3" name="图片 2" descr="NCEPU_Beamer_Theme_formatted_Page7">
             <a:extLst>
               <a:ext uri="{FF2B5EF4-FFF2-40B4-BE49-F238E27FC236}">
-                <a16:creationId xmlns:a16="http://schemas.microsoft.com/office/drawing/2014/main" id="{346A28B7-FEE1-5086-9371-FC9947038122}"/>
+                <a16:creationId xmlns:a16="http://schemas.microsoft.com/office/drawing/2014/main" id="{63293E7B-E609-2CC2-DCA4-34D3C6597077}"/>
               </a:ext>
             </a:extLst>
           </p:cNvPr>
@@ -3621,7 +3621,7 @@
     </p:spTree>
     <p:extLst>
       <p:ext uri="{BB962C8B-B14F-4D97-AF65-F5344CB8AC3E}">
-        <p14:creationId xmlns:p14="http://schemas.microsoft.com/office/powerpoint/2010/main" val="24571159"/>
+        <p14:creationId xmlns:p14="http://schemas.microsoft.com/office/powerpoint/2010/main" val="308017307"/>
       </p:ext>
     </p:extLst>
   </p:cSld>
@@ -3653,7 +3653,7 @@
           <p:cNvPr id="3" name="图片 2" descr="NCEPU_Beamer_Theme_formatted_Page8">
             <a:extLst>
               <a:ext uri="{FF2B5EF4-FFF2-40B4-BE49-F238E27FC236}">
-                <a16:creationId xmlns:a16="http://schemas.microsoft.com/office/drawing/2014/main" id="{94E446F9-0294-760D-F987-4878463AF9EA}"/>
+                <a16:creationId xmlns:a16="http://schemas.microsoft.com/office/drawing/2014/main" id="{0A9F745C-0F6A-8F60-380C-6BFFAE97B2A9}"/>
               </a:ext>
             </a:extLst>
           </p:cNvPr>
@@ -3688,7 +3688,7 @@
     </p:spTree>
     <p:extLst>
       <p:ext uri="{BB962C8B-B14F-4D97-AF65-F5344CB8AC3E}">
-        <p14:creationId xmlns:p14="http://schemas.microsoft.com/office/powerpoint/2010/main" val="2334148249"/>
+        <p14:creationId xmlns:p14="http://schemas.microsoft.com/office/powerpoint/2010/main" val="4144482246"/>
       </p:ext>
     </p:extLst>
   </p:cSld>
@@ -3720,7 +3720,7 @@
           <p:cNvPr id="3" name="图片 2" descr="NCEPU_Beamer_Theme_formatted_Page9">
             <a:extLst>
               <a:ext uri="{FF2B5EF4-FFF2-40B4-BE49-F238E27FC236}">
-                <a16:creationId xmlns:a16="http://schemas.microsoft.com/office/drawing/2014/main" id="{A51AA9CB-9750-0D09-8FFB-75757E051A9A}"/>
+                <a16:creationId xmlns:a16="http://schemas.microsoft.com/office/drawing/2014/main" id="{89395E7C-E3AC-D4B3-AAA1-B2C725B3C5DF}"/>
               </a:ext>
             </a:extLst>
           </p:cNvPr>
@@ -3755,7 +3755,7 @@
     </p:spTree>
     <p:extLst>
       <p:ext uri="{BB962C8B-B14F-4D97-AF65-F5344CB8AC3E}">
-        <p14:creationId xmlns:p14="http://schemas.microsoft.com/office/powerpoint/2010/main" val="4292686510"/>
+        <p14:creationId xmlns:p14="http://schemas.microsoft.com/office/powerpoint/2010/main" val="3929783096"/>
       </p:ext>
     </p:extLst>
   </p:cSld>
